--- a/dp/dp-02.pptx
+++ b/dp/dp-02.pptx
@@ -5,7 +5,7 @@
     <p:sldMasterId id="2147483705" r:id="rId1"/>
   </p:sldMasterIdLst>
   <p:notesMasterIdLst>
-    <p:notesMasterId r:id="rId12"/>
+    <p:notesMasterId r:id="rId19"/>
   </p:notesMasterIdLst>
   <p:sldIdLst>
     <p:sldId id="259" r:id="rId2"/>
@@ -16,8 +16,15 @@
     <p:sldId id="301" r:id="rId7"/>
     <p:sldId id="298" r:id="rId8"/>
     <p:sldId id="302" r:id="rId9"/>
-    <p:sldId id="299" r:id="rId10"/>
-    <p:sldId id="303" r:id="rId11"/>
+    <p:sldId id="303" r:id="rId10"/>
+    <p:sldId id="307" r:id="rId11"/>
+    <p:sldId id="308" r:id="rId12"/>
+    <p:sldId id="305" r:id="rId13"/>
+    <p:sldId id="306" r:id="rId14"/>
+    <p:sldId id="304" r:id="rId15"/>
+    <p:sldId id="311" r:id="rId16"/>
+    <p:sldId id="310" r:id="rId17"/>
+    <p:sldId id="309" r:id="rId18"/>
   </p:sldIdLst>
   <p:sldSz cx="12192000" cy="6858000"/>
   <p:notesSz cx="6858000" cy="9144000"/>
@@ -206,7 +213,7 @@
           <a:p>
             <a:fld id="{9B9ECB28-6A22-4037-9487-F3F739F744D6}" type="datetimeFigureOut">
               <a:rPr lang="en-US" smtClean="0"/>
-              <a:t>1/15/2022</a:t>
+              <a:t>1/16/2022</a:t>
             </a:fld>
             <a:endParaRPr lang="en-US"/>
           </a:p>
@@ -821,6 +828,264 @@
 </p:notes>
 </file>
 
+<file path=ppt/notesSlides/notesSlide5.xml><?xml version="1.0" encoding="utf-8"?>
+<p:notes xmlns:a="http://schemas.openxmlformats.org/drawingml/2006/main" xmlns:r="http://schemas.openxmlformats.org/officeDocument/2006/relationships" xmlns:p="http://schemas.openxmlformats.org/presentationml/2006/main">
+  <p:cSld>
+    <p:spTree>
+      <p:nvGrpSpPr>
+        <p:cNvPr id="1" name=""/>
+        <p:cNvGrpSpPr/>
+        <p:nvPr/>
+      </p:nvGrpSpPr>
+      <p:grpSpPr>
+        <a:xfrm>
+          <a:off x="0" y="0"/>
+          <a:ext cx="0" cy="0"/>
+          <a:chOff x="0" y="0"/>
+          <a:chExt cx="0" cy="0"/>
+        </a:xfrm>
+      </p:grpSpPr>
+      <p:sp>
+        <p:nvSpPr>
+          <p:cNvPr id="2" name="Slide Image Placeholder 1"/>
+          <p:cNvSpPr>
+            <a:spLocks noGrp="1" noRot="1" noChangeAspect="1"/>
+          </p:cNvSpPr>
+          <p:nvPr>
+            <p:ph type="sldImg"/>
+          </p:nvPr>
+        </p:nvSpPr>
+        <p:spPr/>
+      </p:sp>
+      <p:sp>
+        <p:nvSpPr>
+          <p:cNvPr id="3" name="Notes Placeholder 2"/>
+          <p:cNvSpPr>
+            <a:spLocks noGrp="1"/>
+          </p:cNvSpPr>
+          <p:nvPr>
+            <p:ph type="body" idx="1"/>
+          </p:nvPr>
+        </p:nvSpPr>
+        <p:spPr/>
+        <p:txBody>
+          <a:bodyPr/>
+          <a:lstStyle/>
+          <a:p>
+            <a:r>
+              <a:rPr lang="en-US" dirty="0"/>
+              <a:t>https://www.digitalocean.com/community/conceptual_articles/s-o-l-i-d-the-first-five-principles-of-object-oriented-design</a:t>
+            </a:r>
+          </a:p>
+        </p:txBody>
+      </p:sp>
+      <p:sp>
+        <p:nvSpPr>
+          <p:cNvPr id="4" name="Slide Number Placeholder 3"/>
+          <p:cNvSpPr>
+            <a:spLocks noGrp="1"/>
+          </p:cNvSpPr>
+          <p:nvPr>
+            <p:ph type="sldNum" sz="quarter" idx="5"/>
+          </p:nvPr>
+        </p:nvSpPr>
+        <p:spPr/>
+        <p:txBody>
+          <a:bodyPr/>
+          <a:lstStyle/>
+          <a:p>
+            <a:fld id="{0FE84E6F-3671-472C-BE6F-A37BC298F4AB}" type="slidenum">
+              <a:rPr lang="en-US" smtClean="0"/>
+              <a:t>13</a:t>
+            </a:fld>
+            <a:endParaRPr lang="en-US"/>
+          </a:p>
+        </p:txBody>
+      </p:sp>
+    </p:spTree>
+    <p:extLst>
+      <p:ext uri="{BB962C8B-B14F-4D97-AF65-F5344CB8AC3E}">
+        <p14:creationId xmlns:p14="http://schemas.microsoft.com/office/powerpoint/2010/main" val="3901205505"/>
+      </p:ext>
+    </p:extLst>
+  </p:cSld>
+  <p:clrMapOvr>
+    <a:masterClrMapping/>
+  </p:clrMapOvr>
+</p:notes>
+</file>
+
+<file path=ppt/notesSlides/notesSlide6.xml><?xml version="1.0" encoding="utf-8"?>
+<p:notes xmlns:a="http://schemas.openxmlformats.org/drawingml/2006/main" xmlns:r="http://schemas.openxmlformats.org/officeDocument/2006/relationships" xmlns:p="http://schemas.openxmlformats.org/presentationml/2006/main">
+  <p:cSld>
+    <p:spTree>
+      <p:nvGrpSpPr>
+        <p:cNvPr id="1" name=""/>
+        <p:cNvGrpSpPr/>
+        <p:nvPr/>
+      </p:nvGrpSpPr>
+      <p:grpSpPr>
+        <a:xfrm>
+          <a:off x="0" y="0"/>
+          <a:ext cx="0" cy="0"/>
+          <a:chOff x="0" y="0"/>
+          <a:chExt cx="0" cy="0"/>
+        </a:xfrm>
+      </p:grpSpPr>
+      <p:sp>
+        <p:nvSpPr>
+          <p:cNvPr id="2" name="Slide Image Placeholder 1"/>
+          <p:cNvSpPr>
+            <a:spLocks noGrp="1" noRot="1" noChangeAspect="1"/>
+          </p:cNvSpPr>
+          <p:nvPr>
+            <p:ph type="sldImg"/>
+          </p:nvPr>
+        </p:nvSpPr>
+        <p:spPr/>
+      </p:sp>
+      <p:sp>
+        <p:nvSpPr>
+          <p:cNvPr id="3" name="Notes Placeholder 2"/>
+          <p:cNvSpPr>
+            <a:spLocks noGrp="1"/>
+          </p:cNvSpPr>
+          <p:nvPr>
+            <p:ph type="body" idx="1"/>
+          </p:nvPr>
+        </p:nvSpPr>
+        <p:spPr/>
+        <p:txBody>
+          <a:bodyPr/>
+          <a:lstStyle/>
+          <a:p>
+            <a:r>
+              <a:rPr lang="en-US" dirty="0"/>
+              <a:t>https://stackoverflow.com/questions/50718586/what-is-a-di-container</a:t>
+            </a:r>
+          </a:p>
+        </p:txBody>
+      </p:sp>
+      <p:sp>
+        <p:nvSpPr>
+          <p:cNvPr id="4" name="Slide Number Placeholder 3"/>
+          <p:cNvSpPr>
+            <a:spLocks noGrp="1"/>
+          </p:cNvSpPr>
+          <p:nvPr>
+            <p:ph type="sldNum" sz="quarter" idx="5"/>
+          </p:nvPr>
+        </p:nvSpPr>
+        <p:spPr/>
+        <p:txBody>
+          <a:bodyPr/>
+          <a:lstStyle/>
+          <a:p>
+            <a:fld id="{0FE84E6F-3671-472C-BE6F-A37BC298F4AB}" type="slidenum">
+              <a:rPr lang="en-US" smtClean="0"/>
+              <a:t>15</a:t>
+            </a:fld>
+            <a:endParaRPr lang="en-US"/>
+          </a:p>
+        </p:txBody>
+      </p:sp>
+    </p:spTree>
+    <p:extLst>
+      <p:ext uri="{BB962C8B-B14F-4D97-AF65-F5344CB8AC3E}">
+        <p14:creationId xmlns:p14="http://schemas.microsoft.com/office/powerpoint/2010/main" val="2653138332"/>
+      </p:ext>
+    </p:extLst>
+  </p:cSld>
+  <p:clrMapOvr>
+    <a:masterClrMapping/>
+  </p:clrMapOvr>
+</p:notes>
+</file>
+
+<file path=ppt/notesSlides/notesSlide7.xml><?xml version="1.0" encoding="utf-8"?>
+<p:notes xmlns:a="http://schemas.openxmlformats.org/drawingml/2006/main" xmlns:r="http://schemas.openxmlformats.org/officeDocument/2006/relationships" xmlns:p="http://schemas.openxmlformats.org/presentationml/2006/main">
+  <p:cSld>
+    <p:spTree>
+      <p:nvGrpSpPr>
+        <p:cNvPr id="1" name=""/>
+        <p:cNvGrpSpPr/>
+        <p:nvPr/>
+      </p:nvGrpSpPr>
+      <p:grpSpPr>
+        <a:xfrm>
+          <a:off x="0" y="0"/>
+          <a:ext cx="0" cy="0"/>
+          <a:chOff x="0" y="0"/>
+          <a:chExt cx="0" cy="0"/>
+        </a:xfrm>
+      </p:grpSpPr>
+      <p:sp>
+        <p:nvSpPr>
+          <p:cNvPr id="2" name="Slide Image Placeholder 1"/>
+          <p:cNvSpPr>
+            <a:spLocks noGrp="1" noRot="1" noChangeAspect="1"/>
+          </p:cNvSpPr>
+          <p:nvPr>
+            <p:ph type="sldImg"/>
+          </p:nvPr>
+        </p:nvSpPr>
+        <p:spPr/>
+      </p:sp>
+      <p:sp>
+        <p:nvSpPr>
+          <p:cNvPr id="3" name="Notes Placeholder 2"/>
+          <p:cNvSpPr>
+            <a:spLocks noGrp="1"/>
+          </p:cNvSpPr>
+          <p:nvPr>
+            <p:ph type="body" idx="1"/>
+          </p:nvPr>
+        </p:nvSpPr>
+        <p:spPr/>
+        <p:txBody>
+          <a:bodyPr/>
+          <a:lstStyle/>
+          <a:p>
+            <a:endParaRPr lang="en-US" dirty="0"/>
+          </a:p>
+        </p:txBody>
+      </p:sp>
+      <p:sp>
+        <p:nvSpPr>
+          <p:cNvPr id="4" name="Slide Number Placeholder 3"/>
+          <p:cNvSpPr>
+            <a:spLocks noGrp="1"/>
+          </p:cNvSpPr>
+          <p:nvPr>
+            <p:ph type="sldNum" sz="quarter" idx="5"/>
+          </p:nvPr>
+        </p:nvSpPr>
+        <p:spPr/>
+        <p:txBody>
+          <a:bodyPr/>
+          <a:lstStyle/>
+          <a:p>
+            <a:fld id="{0FE84E6F-3671-472C-BE6F-A37BC298F4AB}" type="slidenum">
+              <a:rPr lang="en-US" smtClean="0"/>
+              <a:t>16</a:t>
+            </a:fld>
+            <a:endParaRPr lang="en-US"/>
+          </a:p>
+        </p:txBody>
+      </p:sp>
+    </p:spTree>
+    <p:extLst>
+      <p:ext uri="{BB962C8B-B14F-4D97-AF65-F5344CB8AC3E}">
+        <p14:creationId xmlns:p14="http://schemas.microsoft.com/office/powerpoint/2010/main" val="1461762821"/>
+      </p:ext>
+    </p:extLst>
+  </p:cSld>
+  <p:clrMapOvr>
+    <a:masterClrMapping/>
+  </p:clrMapOvr>
+</p:notes>
+</file>
+
 <file path=ppt/slideLayouts/slideLayout1.xml><?xml version="1.0" encoding="utf-8"?>
 <p:sldLayout xmlns:a="http://schemas.openxmlformats.org/drawingml/2006/main" xmlns:r="http://schemas.openxmlformats.org/officeDocument/2006/relationships" xmlns:p="http://schemas.openxmlformats.org/presentationml/2006/main" type="title" preserve="1">
   <p:cSld name="Title Slide">
@@ -1005,7 +1270,7 @@
           <a:p>
             <a:fld id="{19B6F524-99F3-4BEA-ACD7-976EF4D36657}" type="datetime1">
               <a:rPr lang="en-US" smtClean="0"/>
-              <a:t>1/15/2022</a:t>
+              <a:t>1/16/2022</a:t>
             </a:fld>
             <a:endParaRPr lang="en-US" dirty="0"/>
           </a:p>
@@ -1314,7 +1579,7 @@
           <a:p>
             <a:fld id="{2145C3A9-05D9-428D-9788-A7F14838F6F9}" type="datetime1">
               <a:rPr lang="en-US" smtClean="0"/>
-              <a:t>1/15/2022</a:t>
+              <a:t>1/16/2022</a:t>
             </a:fld>
             <a:endParaRPr lang="en-US" dirty="0"/>
           </a:p>
@@ -1512,7 +1777,7 @@
           <a:p>
             <a:fld id="{82C701FB-B03E-4981-A9F8-99B474DD173A}" type="datetime1">
               <a:rPr lang="en-US" smtClean="0"/>
-              <a:t>1/15/2022</a:t>
+              <a:t>1/16/2022</a:t>
             </a:fld>
             <a:endParaRPr lang="en-US" dirty="0"/>
           </a:p>
@@ -1779,7 +2044,7 @@
           <a:p>
             <a:fld id="{7A7E8EF3-CBF7-4EB9-B6E5-3754574E3433}" type="datetime1">
               <a:rPr lang="en-US" smtClean="0"/>
-              <a:t>1/15/2022</a:t>
+              <a:t>1/16/2022</a:t>
             </a:fld>
             <a:endParaRPr lang="en-US" dirty="0"/>
           </a:p>
@@ -2219,7 +2484,7 @@
           <a:p>
             <a:fld id="{DA8A4A96-31AC-487C-9F15-1822D58542B7}" type="datetime1">
               <a:rPr lang="en-US" smtClean="0"/>
-              <a:t>1/15/2022</a:t>
+              <a:t>1/16/2022</a:t>
             </a:fld>
             <a:endParaRPr lang="en-US" dirty="0"/>
           </a:p>
@@ -2760,7 +3025,7 @@
           <a:p>
             <a:fld id="{FBBF9546-09C4-4F24-A284-5B81FF8659B4}" type="datetime1">
               <a:rPr lang="en-US" smtClean="0"/>
-              <a:t>1/15/2022</a:t>
+              <a:t>1/16/2022</a:t>
             </a:fld>
             <a:endParaRPr lang="en-US" dirty="0"/>
           </a:p>
@@ -3646,7 +3911,7 @@
           <a:p>
             <a:fld id="{5BF4405D-15A5-450B-B053-484859B9C8F7}" type="datetime1">
               <a:rPr lang="en-US" smtClean="0"/>
-              <a:t>1/15/2022</a:t>
+              <a:t>1/16/2022</a:t>
             </a:fld>
             <a:endParaRPr lang="en-US" dirty="0"/>
           </a:p>
@@ -3820,7 +4085,7 @@
           <a:p>
             <a:fld id="{E0366559-EC21-40C1-8A65-9A3B4EA78391}" type="datetime1">
               <a:rPr lang="en-US" smtClean="0"/>
-              <a:t>1/15/2022</a:t>
+              <a:t>1/16/2022</a:t>
             </a:fld>
             <a:endParaRPr lang="en-US" dirty="0"/>
           </a:p>
@@ -4008,7 +4273,7 @@
           <a:p>
             <a:fld id="{4F09CA92-695C-4FFA-8E37-4D2C288BCC04}" type="datetime1">
               <a:rPr lang="en-US" smtClean="0"/>
-              <a:t>1/15/2022</a:t>
+              <a:t>1/16/2022</a:t>
             </a:fld>
             <a:endParaRPr lang="en-US" dirty="0"/>
           </a:p>
@@ -4182,7 +4447,7 @@
           <a:p>
             <a:fld id="{CA551262-FC07-4FE4-9221-F72F7D4F209A}" type="datetime1">
               <a:rPr lang="en-US" smtClean="0"/>
-              <a:t>1/15/2022</a:t>
+              <a:t>1/16/2022</a:t>
             </a:fld>
             <a:endParaRPr lang="en-US" dirty="0"/>
           </a:p>
@@ -4430,7 +4695,7 @@
           <a:p>
             <a:fld id="{46A321E4-8899-4F7D-BEB1-BD52626ABD8D}" type="datetime1">
               <a:rPr lang="en-US" smtClean="0"/>
-              <a:t>1/15/2022</a:t>
+              <a:t>1/16/2022</a:t>
             </a:fld>
             <a:endParaRPr lang="en-US" dirty="0"/>
           </a:p>
@@ -4676,7 +4941,7 @@
           <a:p>
             <a:fld id="{B53F6DFA-8A0E-4513-867D-18B9AA66B23C}" type="datetime1">
               <a:rPr lang="en-US" smtClean="0"/>
-              <a:t>1/15/2022</a:t>
+              <a:t>1/16/2022</a:t>
             </a:fld>
             <a:endParaRPr lang="en-US" dirty="0"/>
           </a:p>
@@ -5163,7 +5428,7 @@
           <a:p>
             <a:fld id="{154283A7-B9AC-454B-A468-44B75A398B49}" type="datetime1">
               <a:rPr lang="en-US" smtClean="0"/>
-              <a:t>1/15/2022</a:t>
+              <a:t>1/16/2022</a:t>
             </a:fld>
             <a:endParaRPr lang="en-US" dirty="0"/>
           </a:p>
@@ -5285,7 +5550,7 @@
           <a:p>
             <a:fld id="{A3F8184D-DEDD-48A0-9ACA-5F6ED9EFE5B8}" type="datetime1">
               <a:rPr lang="en-US" smtClean="0"/>
-              <a:t>1/15/2022</a:t>
+              <a:t>1/16/2022</a:t>
             </a:fld>
             <a:endParaRPr lang="en-US" dirty="0"/>
           </a:p>
@@ -5384,7 +5649,7 @@
           <a:p>
             <a:fld id="{BF38AC0E-F520-48F3-BA14-8BAB82D735FB}" type="datetime1">
               <a:rPr lang="en-US" smtClean="0"/>
-              <a:t>1/15/2022</a:t>
+              <a:t>1/16/2022</a:t>
             </a:fld>
             <a:endParaRPr lang="en-US" dirty="0"/>
           </a:p>
@@ -5643,7 +5908,7 @@
           <a:p>
             <a:fld id="{317D0F2A-2724-4AD4-BF4C-A7B1910D9412}" type="datetime1">
               <a:rPr lang="en-US" smtClean="0"/>
-              <a:t>1/15/2022</a:t>
+              <a:t>1/16/2022</a:t>
             </a:fld>
             <a:endParaRPr lang="en-US" dirty="0"/>
           </a:p>
@@ -5954,7 +6219,7 @@
           <a:p>
             <a:fld id="{9A0B82A5-4A21-4F82-91DB-989CE997E82E}" type="datetime1">
               <a:rPr lang="en-US" smtClean="0"/>
-              <a:t>1/15/2022</a:t>
+              <a:t>1/16/2022</a:t>
             </a:fld>
             <a:endParaRPr lang="en-US" dirty="0"/>
           </a:p>
@@ -6191,7 +6456,7 @@
           <a:p>
             <a:fld id="{01BFEF8A-AE08-4951-B923-589F814B0C31}" type="datetime1">
               <a:rPr lang="en-US" smtClean="0"/>
-              <a:t>1/15/2022</a:t>
+              <a:t>1/16/2022</a:t>
             </a:fld>
             <a:endParaRPr lang="en-US" dirty="0"/>
           </a:p>
@@ -7049,7 +7314,7 @@
           <p:cNvPr id="2" name="Title 1">
             <a:extLst>
               <a:ext uri="{FF2B5EF4-FFF2-40B4-BE49-F238E27FC236}">
-                <a16:creationId xmlns:a16="http://schemas.microsoft.com/office/drawing/2014/main" id="{3390CEE7-8648-42B0-AABC-8EA38A37264C}"/>
+                <a16:creationId xmlns:a16="http://schemas.microsoft.com/office/drawing/2014/main" id="{C64CEEEB-E17B-4561-BADF-308EC2D4928C}"/>
               </a:ext>
             </a:extLst>
           </p:cNvPr>
@@ -7077,7 +7342,7 @@
           <p:cNvPr id="3" name="Content Placeholder 2">
             <a:extLst>
               <a:ext uri="{FF2B5EF4-FFF2-40B4-BE49-F238E27FC236}">
-                <a16:creationId xmlns:a16="http://schemas.microsoft.com/office/drawing/2014/main" id="{F8E1B822-EC08-47A2-8601-1B3224D07BBE}"/>
+                <a16:creationId xmlns:a16="http://schemas.microsoft.com/office/drawing/2014/main" id="{19BDFE00-E8FD-4F14-9183-86C1502A357E}"/>
               </a:ext>
             </a:extLst>
           </p:cNvPr>
@@ -7090,12 +7355,85 @@
         </p:nvSpPr>
         <p:spPr/>
         <p:txBody>
-          <a:bodyPr/>
+          <a:bodyPr>
+            <a:normAutofit lnSpcReduction="10000"/>
+          </a:bodyPr>
           <a:lstStyle/>
           <a:p>
             <a:r>
               <a:rPr lang="en-US" dirty="0"/>
-              <a:t>Inversion of Control, </a:t>
+              <a:t>What is the benefit?</a:t>
+            </a:r>
+          </a:p>
+          <a:p>
+            <a:pPr lvl="1"/>
+            <a:r>
+              <a:rPr lang="en-US" dirty="0"/>
+              <a:t>Well, the execution of the driving task is </a:t>
+            </a:r>
+            <a:r>
+              <a:rPr lang="en-US" dirty="0">
+                <a:solidFill>
+                  <a:srgbClr val="00B050"/>
+                </a:solidFill>
+              </a:rPr>
+              <a:t>decoupled</a:t>
+            </a:r>
+            <a:r>
+              <a:rPr lang="en-US" dirty="0"/>
+              <a:t> from implementation, </a:t>
+            </a:r>
+          </a:p>
+          <a:p>
+            <a:pPr lvl="1"/>
+            <a:r>
+              <a:rPr lang="en-US" dirty="0"/>
+              <a:t>you don’t need to care how exactly the driver drives the car as long as the driver can take you to the destination on time. </a:t>
+            </a:r>
+          </a:p>
+          <a:p>
+            <a:pPr lvl="1"/>
+            <a:r>
+              <a:rPr lang="en-US" dirty="0"/>
+              <a:t>Moreover, the driver can also be easily </a:t>
+            </a:r>
+            <a:r>
+              <a:rPr lang="en-US" dirty="0">
+                <a:solidFill>
+                  <a:srgbClr val="00B050"/>
+                </a:solidFill>
+              </a:rPr>
+              <a:t>replaced</a:t>
+            </a:r>
+            <a:r>
+              <a:rPr lang="en-US" dirty="0"/>
+              <a:t> without any impact on the mission you are mainly responsible for. </a:t>
+            </a:r>
+          </a:p>
+          <a:p>
+            <a:pPr lvl="1"/>
+            <a:r>
+              <a:rPr lang="en-US" dirty="0"/>
+              <a:t>With hiring the driver, you can focus on thinking of how to convince the potential partner to cooperate with you on the way to the partner’s office. </a:t>
+            </a:r>
+          </a:p>
+          <a:p>
+            <a:pPr lvl="1"/>
+            <a:r>
+              <a:rPr lang="en-US" dirty="0"/>
+              <a:t>After all, that’s your </a:t>
+            </a:r>
+            <a:r>
+              <a:rPr lang="en-US" dirty="0">
+                <a:solidFill>
+                  <a:srgbClr val="00B050"/>
+                </a:solidFill>
+              </a:rPr>
+              <a:t>main responsibility </a:t>
+            </a:r>
+            <a:r>
+              <a:rPr lang="en-US" dirty="0"/>
+              <a:t>as a CEO, isn’t it? The driving is not supposed to be your concern.</a:t>
             </a:r>
           </a:p>
         </p:txBody>
@@ -7105,7 +7443,7 @@
           <p:cNvPr id="4" name="Footer Placeholder 3">
             <a:extLst>
               <a:ext uri="{FF2B5EF4-FFF2-40B4-BE49-F238E27FC236}">
-                <a16:creationId xmlns:a16="http://schemas.microsoft.com/office/drawing/2014/main" id="{06D0AD87-23AB-40FB-8292-FD02FDE4AB95}"/>
+                <a16:creationId xmlns:a16="http://schemas.microsoft.com/office/drawing/2014/main" id="{A953FF79-53A9-4E4C-A4B7-F8AAA497B0AB}"/>
               </a:ext>
             </a:extLst>
           </p:cNvPr>
@@ -7134,7 +7472,7 @@
           <p:cNvPr id="5" name="Slide Number Placeholder 4">
             <a:extLst>
               <a:ext uri="{FF2B5EF4-FFF2-40B4-BE49-F238E27FC236}">
-                <a16:creationId xmlns:a16="http://schemas.microsoft.com/office/drawing/2014/main" id="{A3F38A9F-7C6F-4D6D-ABBC-633EB704BCB8}"/>
+                <a16:creationId xmlns:a16="http://schemas.microsoft.com/office/drawing/2014/main" id="{E6D24F27-4D64-4445-9268-447C9A411962}"/>
               </a:ext>
             </a:extLst>
           </p:cNvPr>
@@ -7161,7 +7499,1410 @@
     </p:spTree>
     <p:extLst>
       <p:ext uri="{BB962C8B-B14F-4D97-AF65-F5344CB8AC3E}">
-        <p14:creationId xmlns:p14="http://schemas.microsoft.com/office/powerpoint/2010/main" val="2269683125"/>
+        <p14:creationId xmlns:p14="http://schemas.microsoft.com/office/powerpoint/2010/main" val="1483889848"/>
+      </p:ext>
+    </p:extLst>
+  </p:cSld>
+  <p:clrMapOvr>
+    <a:masterClrMapping/>
+  </p:clrMapOvr>
+</p:sld>
+</file>
+
+<file path=ppt/slides/slide11.xml><?xml version="1.0" encoding="utf-8"?>
+<p:sld xmlns:a="http://schemas.openxmlformats.org/drawingml/2006/main" xmlns:r="http://schemas.openxmlformats.org/officeDocument/2006/relationships" xmlns:p="http://schemas.openxmlformats.org/presentationml/2006/main">
+  <p:cSld>
+    <p:spTree>
+      <p:nvGrpSpPr>
+        <p:cNvPr id="1" name=""/>
+        <p:cNvGrpSpPr/>
+        <p:nvPr/>
+      </p:nvGrpSpPr>
+      <p:grpSpPr>
+        <a:xfrm>
+          <a:off x="0" y="0"/>
+          <a:ext cx="0" cy="0"/>
+          <a:chOff x="0" y="0"/>
+          <a:chExt cx="0" cy="0"/>
+        </a:xfrm>
+      </p:grpSpPr>
+      <p:sp>
+        <p:nvSpPr>
+          <p:cNvPr id="2" name="Title 1">
+            <a:extLst>
+              <a:ext uri="{FF2B5EF4-FFF2-40B4-BE49-F238E27FC236}">
+                <a16:creationId xmlns:a16="http://schemas.microsoft.com/office/drawing/2014/main" id="{A86FDA3A-0B02-4884-9BE3-BEC393D56851}"/>
+              </a:ext>
+            </a:extLst>
+          </p:cNvPr>
+          <p:cNvSpPr>
+            <a:spLocks noGrp="1"/>
+          </p:cNvSpPr>
+          <p:nvPr>
+            <p:ph type="title"/>
+          </p:nvPr>
+        </p:nvSpPr>
+        <p:spPr/>
+        <p:txBody>
+          <a:bodyPr/>
+          <a:lstStyle/>
+          <a:p>
+            <a:r>
+              <a:rPr lang="en-US" dirty="0"/>
+              <a:t>Demo</a:t>
+            </a:r>
+          </a:p>
+        </p:txBody>
+      </p:sp>
+      <p:sp>
+        <p:nvSpPr>
+          <p:cNvPr id="3" name="Content Placeholder 2">
+            <a:extLst>
+              <a:ext uri="{FF2B5EF4-FFF2-40B4-BE49-F238E27FC236}">
+                <a16:creationId xmlns:a16="http://schemas.microsoft.com/office/drawing/2014/main" id="{593C51B6-D967-4D50-8A23-34D4CE1B6C48}"/>
+              </a:ext>
+            </a:extLst>
+          </p:cNvPr>
+          <p:cNvSpPr>
+            <a:spLocks noGrp="1"/>
+          </p:cNvSpPr>
+          <p:nvPr>
+            <p:ph idx="1"/>
+          </p:nvPr>
+        </p:nvSpPr>
+        <p:spPr/>
+        <p:txBody>
+          <a:bodyPr/>
+          <a:lstStyle/>
+          <a:p>
+            <a:r>
+              <a:rPr lang="en-US" dirty="0"/>
+              <a:t>Implements the CEO example</a:t>
+            </a:r>
+          </a:p>
+          <a:p>
+            <a:pPr lvl="1"/>
+            <a:r>
+              <a:rPr lang="en-US" dirty="0"/>
+              <a:t>Bad way:</a:t>
+            </a:r>
+          </a:p>
+          <a:p>
+            <a:pPr lvl="2"/>
+            <a:r>
+              <a:rPr lang="en-US" dirty="0"/>
+              <a:t>However, do you notice that the CEO still controls the hire (creation) of a driver? </a:t>
+            </a:r>
+          </a:p>
+          <a:p>
+            <a:pPr lvl="3"/>
+            <a:r>
+              <a:rPr lang="en-US" dirty="0"/>
+              <a:t>This is also not supposed to be the CEO’s responsibility. </a:t>
+            </a:r>
+          </a:p>
+          <a:p>
+            <a:pPr lvl="3"/>
+            <a:r>
+              <a:rPr lang="en-US" dirty="0"/>
+              <a:t>In addition, from the code’s perspective, the Driver is the dependent object of </a:t>
+            </a:r>
+            <a:r>
+              <a:rPr lang="en-US" dirty="0" err="1"/>
+              <a:t>Ceo</a:t>
+            </a:r>
+            <a:r>
+              <a:rPr lang="en-US" dirty="0"/>
+              <a:t> and the </a:t>
+            </a:r>
+            <a:r>
+              <a:rPr lang="en-US" dirty="0" err="1"/>
+              <a:t>Ceo</a:t>
+            </a:r>
+            <a:r>
+              <a:rPr lang="en-US" dirty="0"/>
+              <a:t> is </a:t>
+            </a:r>
+            <a:r>
+              <a:rPr lang="en-US" dirty="0">
+                <a:solidFill>
+                  <a:srgbClr val="FF0000"/>
+                </a:solidFill>
+              </a:rPr>
+              <a:t>tightly coupled </a:t>
+            </a:r>
+            <a:r>
+              <a:rPr lang="en-US" dirty="0"/>
+              <a:t>to it. </a:t>
+            </a:r>
+          </a:p>
+          <a:p>
+            <a:pPr lvl="3"/>
+            <a:r>
+              <a:rPr lang="en-US" dirty="0"/>
+              <a:t>The </a:t>
+            </a:r>
+            <a:r>
+              <a:rPr lang="en-US" dirty="0" err="1"/>
+              <a:t>Ceo</a:t>
+            </a:r>
+            <a:r>
+              <a:rPr lang="en-US" dirty="0"/>
+              <a:t> is difficult to be </a:t>
+            </a:r>
+            <a:r>
+              <a:rPr lang="en-US" dirty="0">
+                <a:solidFill>
+                  <a:srgbClr val="00B050"/>
+                </a:solidFill>
+              </a:rPr>
+              <a:t>tested</a:t>
+            </a:r>
+            <a:r>
+              <a:rPr lang="en-US" dirty="0"/>
+              <a:t> because the Driver instance is created inside the </a:t>
+            </a:r>
+            <a:r>
+              <a:rPr lang="en-US" dirty="0" err="1"/>
+              <a:t>Ceo</a:t>
+            </a:r>
+            <a:r>
+              <a:rPr lang="en-US" dirty="0"/>
+              <a:t>. You are not able to replace the Driver with a mock one when you are testing the </a:t>
+            </a:r>
+            <a:r>
+              <a:rPr lang="en-US" dirty="0" err="1"/>
+              <a:t>Ceo</a:t>
+            </a:r>
+            <a:endParaRPr lang="en-US" dirty="0"/>
+          </a:p>
+          <a:p>
+            <a:pPr lvl="2"/>
+            <a:r>
+              <a:rPr lang="en-US" dirty="0"/>
+              <a:t>Best way, inverting the control of creating driver:</a:t>
+            </a:r>
+          </a:p>
+          <a:p>
+            <a:pPr lvl="3"/>
+            <a:r>
+              <a:rPr lang="en-US" dirty="0"/>
+              <a:t>Dependency Injection</a:t>
+            </a:r>
+          </a:p>
+          <a:p>
+            <a:pPr lvl="3"/>
+            <a:r>
+              <a:rPr lang="en-US" dirty="0"/>
+              <a:t>By applying dependency injection, </a:t>
+            </a:r>
+            <a:r>
+              <a:rPr lang="en-US" dirty="0" err="1"/>
+              <a:t>Ceo</a:t>
+            </a:r>
+            <a:r>
+              <a:rPr lang="en-US" dirty="0"/>
+              <a:t> is fully </a:t>
+            </a:r>
+            <a:r>
+              <a:rPr lang="en-US" dirty="0">
+                <a:solidFill>
+                  <a:srgbClr val="00B050"/>
+                </a:solidFill>
+              </a:rPr>
+              <a:t>decoupled</a:t>
+            </a:r>
+            <a:r>
+              <a:rPr lang="en-US" dirty="0"/>
+              <a:t> from Driver now and the control of constructing a driver is inverted from </a:t>
+            </a:r>
+            <a:r>
+              <a:rPr lang="en-US" dirty="0" err="1"/>
+              <a:t>Ceo</a:t>
+            </a:r>
+            <a:r>
+              <a:rPr lang="en-US" dirty="0"/>
+              <a:t> to </a:t>
+            </a:r>
+            <a:r>
+              <a:rPr lang="en-US" dirty="0">
+                <a:solidFill>
+                  <a:srgbClr val="00B050"/>
+                </a:solidFill>
+              </a:rPr>
+              <a:t>Injector</a:t>
+            </a:r>
+            <a:r>
+              <a:rPr lang="en-US" dirty="0"/>
+              <a:t>.</a:t>
+            </a:r>
+          </a:p>
+        </p:txBody>
+      </p:sp>
+      <p:sp>
+        <p:nvSpPr>
+          <p:cNvPr id="4" name="Footer Placeholder 3">
+            <a:extLst>
+              <a:ext uri="{FF2B5EF4-FFF2-40B4-BE49-F238E27FC236}">
+                <a16:creationId xmlns:a16="http://schemas.microsoft.com/office/drawing/2014/main" id="{BF4ACB6F-9C8F-4D03-BCB8-2FAF79BA4482}"/>
+              </a:ext>
+            </a:extLst>
+          </p:cNvPr>
+          <p:cNvSpPr>
+            <a:spLocks noGrp="1"/>
+          </p:cNvSpPr>
+          <p:nvPr>
+            <p:ph type="ftr" sz="quarter" idx="11"/>
+          </p:nvPr>
+        </p:nvSpPr>
+        <p:spPr/>
+        <p:txBody>
+          <a:bodyPr/>
+          <a:lstStyle/>
+          <a:p>
+            <a:r>
+              <a:rPr lang="en-US"/>
+              <a:t>Nodejs Basics</a:t>
+            </a:r>
+            <a:endParaRPr lang="en-US" dirty="0"/>
+          </a:p>
+        </p:txBody>
+      </p:sp>
+      <p:sp>
+        <p:nvSpPr>
+          <p:cNvPr id="5" name="Slide Number Placeholder 4">
+            <a:extLst>
+              <a:ext uri="{FF2B5EF4-FFF2-40B4-BE49-F238E27FC236}">
+                <a16:creationId xmlns:a16="http://schemas.microsoft.com/office/drawing/2014/main" id="{355DB00F-9631-4FD3-A350-A9AE01EBE3DB}"/>
+              </a:ext>
+            </a:extLst>
+          </p:cNvPr>
+          <p:cNvSpPr>
+            <a:spLocks noGrp="1"/>
+          </p:cNvSpPr>
+          <p:nvPr>
+            <p:ph type="sldNum" sz="quarter" idx="12"/>
+          </p:nvPr>
+        </p:nvSpPr>
+        <p:spPr/>
+        <p:txBody>
+          <a:bodyPr/>
+          <a:lstStyle/>
+          <a:p>
+            <a:fld id="{3A98EE3D-8CD1-4C3F-BD1C-C98C9596463C}" type="slidenum">
+              <a:rPr lang="en-US" smtClean="0"/>
+              <a:t>11</a:t>
+            </a:fld>
+            <a:endParaRPr lang="en-US" dirty="0"/>
+          </a:p>
+        </p:txBody>
+      </p:sp>
+    </p:spTree>
+    <p:extLst>
+      <p:ext uri="{BB962C8B-B14F-4D97-AF65-F5344CB8AC3E}">
+        <p14:creationId xmlns:p14="http://schemas.microsoft.com/office/powerpoint/2010/main" val="2886174966"/>
+      </p:ext>
+    </p:extLst>
+  </p:cSld>
+  <p:clrMapOvr>
+    <a:masterClrMapping/>
+  </p:clrMapOvr>
+</p:sld>
+</file>
+
+<file path=ppt/slides/slide12.xml><?xml version="1.0" encoding="utf-8"?>
+<p:sld xmlns:a="http://schemas.openxmlformats.org/drawingml/2006/main" xmlns:r="http://schemas.openxmlformats.org/officeDocument/2006/relationships" xmlns:p="http://schemas.openxmlformats.org/presentationml/2006/main">
+  <p:cSld>
+    <p:spTree>
+      <p:nvGrpSpPr>
+        <p:cNvPr id="1" name=""/>
+        <p:cNvGrpSpPr/>
+        <p:nvPr/>
+      </p:nvGrpSpPr>
+      <p:grpSpPr>
+        <a:xfrm>
+          <a:off x="0" y="0"/>
+          <a:ext cx="0" cy="0"/>
+          <a:chOff x="0" y="0"/>
+          <a:chExt cx="0" cy="0"/>
+        </a:xfrm>
+      </p:grpSpPr>
+      <p:sp>
+        <p:nvSpPr>
+          <p:cNvPr id="2" name="Title 1">
+            <a:extLst>
+              <a:ext uri="{FF2B5EF4-FFF2-40B4-BE49-F238E27FC236}">
+                <a16:creationId xmlns:a16="http://schemas.microsoft.com/office/drawing/2014/main" id="{0D4033AE-7563-42CB-8015-7938DE75496E}"/>
+              </a:ext>
+            </a:extLst>
+          </p:cNvPr>
+          <p:cNvSpPr>
+            <a:spLocks noGrp="1"/>
+          </p:cNvSpPr>
+          <p:nvPr>
+            <p:ph type="title"/>
+          </p:nvPr>
+        </p:nvSpPr>
+        <p:spPr/>
+        <p:txBody>
+          <a:bodyPr/>
+          <a:lstStyle/>
+          <a:p>
+            <a:r>
+              <a:rPr lang="en-US" dirty="0"/>
+              <a:t>Dependency Injection</a:t>
+            </a:r>
+          </a:p>
+        </p:txBody>
+      </p:sp>
+      <p:sp>
+        <p:nvSpPr>
+          <p:cNvPr id="3" name="Content Placeholder 2">
+            <a:extLst>
+              <a:ext uri="{FF2B5EF4-FFF2-40B4-BE49-F238E27FC236}">
+                <a16:creationId xmlns:a16="http://schemas.microsoft.com/office/drawing/2014/main" id="{14ADF7E2-C4D6-4A7E-AA59-5AD0C82BD6A3}"/>
+              </a:ext>
+            </a:extLst>
+          </p:cNvPr>
+          <p:cNvSpPr>
+            <a:spLocks noGrp="1"/>
+          </p:cNvSpPr>
+          <p:nvPr>
+            <p:ph idx="1"/>
+          </p:nvPr>
+        </p:nvSpPr>
+        <p:spPr/>
+        <p:txBody>
+          <a:bodyPr/>
+          <a:lstStyle/>
+          <a:p>
+            <a:r>
+              <a:rPr lang="en-US" dirty="0"/>
+              <a:t>One way to implement IoC.</a:t>
+            </a:r>
+          </a:p>
+        </p:txBody>
+      </p:sp>
+      <p:sp>
+        <p:nvSpPr>
+          <p:cNvPr id="4" name="Footer Placeholder 3">
+            <a:extLst>
+              <a:ext uri="{FF2B5EF4-FFF2-40B4-BE49-F238E27FC236}">
+                <a16:creationId xmlns:a16="http://schemas.microsoft.com/office/drawing/2014/main" id="{1D52B6A7-A2CE-4D25-8EF3-3E92512C99B2}"/>
+              </a:ext>
+            </a:extLst>
+          </p:cNvPr>
+          <p:cNvSpPr>
+            <a:spLocks noGrp="1"/>
+          </p:cNvSpPr>
+          <p:nvPr>
+            <p:ph type="ftr" sz="quarter" idx="11"/>
+          </p:nvPr>
+        </p:nvSpPr>
+        <p:spPr/>
+        <p:txBody>
+          <a:bodyPr/>
+          <a:lstStyle/>
+          <a:p>
+            <a:r>
+              <a:rPr lang="en-US"/>
+              <a:t>Nodejs Basics</a:t>
+            </a:r>
+            <a:endParaRPr lang="en-US" dirty="0"/>
+          </a:p>
+        </p:txBody>
+      </p:sp>
+      <p:sp>
+        <p:nvSpPr>
+          <p:cNvPr id="5" name="Slide Number Placeholder 4">
+            <a:extLst>
+              <a:ext uri="{FF2B5EF4-FFF2-40B4-BE49-F238E27FC236}">
+                <a16:creationId xmlns:a16="http://schemas.microsoft.com/office/drawing/2014/main" id="{B5ADDC2C-15D2-4AB7-AB55-291DA6A06D5A}"/>
+              </a:ext>
+            </a:extLst>
+          </p:cNvPr>
+          <p:cNvSpPr>
+            <a:spLocks noGrp="1"/>
+          </p:cNvSpPr>
+          <p:nvPr>
+            <p:ph type="sldNum" sz="quarter" idx="12"/>
+          </p:nvPr>
+        </p:nvSpPr>
+        <p:spPr/>
+        <p:txBody>
+          <a:bodyPr/>
+          <a:lstStyle/>
+          <a:p>
+            <a:fld id="{3A98EE3D-8CD1-4C3F-BD1C-C98C9596463C}" type="slidenum">
+              <a:rPr lang="en-US" smtClean="0"/>
+              <a:t>12</a:t>
+            </a:fld>
+            <a:endParaRPr lang="en-US" dirty="0"/>
+          </a:p>
+        </p:txBody>
+      </p:sp>
+    </p:spTree>
+    <p:extLst>
+      <p:ext uri="{BB962C8B-B14F-4D97-AF65-F5344CB8AC3E}">
+        <p14:creationId xmlns:p14="http://schemas.microsoft.com/office/powerpoint/2010/main" val="840358932"/>
+      </p:ext>
+    </p:extLst>
+  </p:cSld>
+  <p:clrMapOvr>
+    <a:masterClrMapping/>
+  </p:clrMapOvr>
+</p:sld>
+</file>
+
+<file path=ppt/slides/slide13.xml><?xml version="1.0" encoding="utf-8"?>
+<p:sld xmlns:a="http://schemas.openxmlformats.org/drawingml/2006/main" xmlns:r="http://schemas.openxmlformats.org/officeDocument/2006/relationships" xmlns:p="http://schemas.openxmlformats.org/presentationml/2006/main">
+  <p:cSld>
+    <p:spTree>
+      <p:nvGrpSpPr>
+        <p:cNvPr id="1" name=""/>
+        <p:cNvGrpSpPr/>
+        <p:nvPr/>
+      </p:nvGrpSpPr>
+      <p:grpSpPr>
+        <a:xfrm>
+          <a:off x="0" y="0"/>
+          <a:ext cx="0" cy="0"/>
+          <a:chOff x="0" y="0"/>
+          <a:chExt cx="0" cy="0"/>
+        </a:xfrm>
+      </p:grpSpPr>
+      <p:sp>
+        <p:nvSpPr>
+          <p:cNvPr id="2" name="Title 1">
+            <a:extLst>
+              <a:ext uri="{FF2B5EF4-FFF2-40B4-BE49-F238E27FC236}">
+                <a16:creationId xmlns:a16="http://schemas.microsoft.com/office/drawing/2014/main" id="{B8DFFD68-7AE7-453F-A969-EE6E83C18627}"/>
+              </a:ext>
+            </a:extLst>
+          </p:cNvPr>
+          <p:cNvSpPr>
+            <a:spLocks noGrp="1"/>
+          </p:cNvSpPr>
+          <p:nvPr>
+            <p:ph type="title"/>
+          </p:nvPr>
+        </p:nvSpPr>
+        <p:spPr/>
+        <p:txBody>
+          <a:bodyPr/>
+          <a:lstStyle/>
+          <a:p>
+            <a:r>
+              <a:rPr lang="en-US" dirty="0"/>
+              <a:t>SOLID</a:t>
+            </a:r>
+          </a:p>
+        </p:txBody>
+      </p:sp>
+      <p:sp>
+        <p:nvSpPr>
+          <p:cNvPr id="3" name="Content Placeholder 2">
+            <a:extLst>
+              <a:ext uri="{FF2B5EF4-FFF2-40B4-BE49-F238E27FC236}">
+                <a16:creationId xmlns:a16="http://schemas.microsoft.com/office/drawing/2014/main" id="{B598B0B7-FAF2-482A-8798-C47C6CFD21CD}"/>
+              </a:ext>
+            </a:extLst>
+          </p:cNvPr>
+          <p:cNvSpPr>
+            <a:spLocks noGrp="1"/>
+          </p:cNvSpPr>
+          <p:nvPr>
+            <p:ph idx="1"/>
+          </p:nvPr>
+        </p:nvSpPr>
+        <p:spPr/>
+        <p:txBody>
+          <a:bodyPr>
+            <a:normAutofit fontScale="92500" lnSpcReduction="10000"/>
+          </a:bodyPr>
+          <a:lstStyle/>
+          <a:p>
+            <a:r>
+              <a:rPr lang="en-US" dirty="0"/>
+              <a:t>Single-responsibility principle</a:t>
+            </a:r>
+          </a:p>
+          <a:p>
+            <a:pPr lvl="1"/>
+            <a:r>
+              <a:rPr lang="en-US" dirty="0"/>
+              <a:t>There should never be more than one reason for a class to change.</a:t>
+            </a:r>
+          </a:p>
+          <a:p>
+            <a:pPr lvl="1"/>
+            <a:r>
+              <a:rPr lang="en-US" dirty="0"/>
+              <a:t>every class should have only one responsibility.</a:t>
+            </a:r>
+          </a:p>
+          <a:p>
+            <a:r>
+              <a:rPr lang="en-US" dirty="0"/>
+              <a:t>Open-closed principle</a:t>
+            </a:r>
+          </a:p>
+          <a:p>
+            <a:pPr lvl="1"/>
+            <a:r>
+              <a:rPr lang="en-US" dirty="0"/>
+              <a:t>Software entities ... should be open for extension, but closed for modification.</a:t>
+            </a:r>
+          </a:p>
+          <a:p>
+            <a:r>
+              <a:rPr lang="en-US" dirty="0"/>
+              <a:t>Liskov substitution principle</a:t>
+            </a:r>
+          </a:p>
+          <a:p>
+            <a:pPr lvl="1"/>
+            <a:r>
+              <a:rPr lang="en-US" dirty="0"/>
+              <a:t>Functions that use pointers or references to base classes must be able to use objects of derived classes without knowing it.</a:t>
+            </a:r>
+          </a:p>
+          <a:p>
+            <a:r>
+              <a:rPr lang="en-US" dirty="0"/>
+              <a:t>Interface segregation principle</a:t>
+            </a:r>
+          </a:p>
+          <a:p>
+            <a:pPr lvl="1"/>
+            <a:r>
+              <a:rPr lang="en-US" dirty="0"/>
+              <a:t>Many client-specific interfaces are better than one general-purpose interface.</a:t>
+            </a:r>
+          </a:p>
+          <a:p>
+            <a:r>
+              <a:rPr lang="en-US" dirty="0">
+                <a:solidFill>
+                  <a:srgbClr val="00B050"/>
+                </a:solidFill>
+              </a:rPr>
+              <a:t>Dependency inversion principle</a:t>
+            </a:r>
+          </a:p>
+        </p:txBody>
+      </p:sp>
+      <p:sp>
+        <p:nvSpPr>
+          <p:cNvPr id="4" name="Footer Placeholder 3">
+            <a:extLst>
+              <a:ext uri="{FF2B5EF4-FFF2-40B4-BE49-F238E27FC236}">
+                <a16:creationId xmlns:a16="http://schemas.microsoft.com/office/drawing/2014/main" id="{BCD81CDE-BF65-4F90-A65E-B100BDD36BDD}"/>
+              </a:ext>
+            </a:extLst>
+          </p:cNvPr>
+          <p:cNvSpPr>
+            <a:spLocks noGrp="1"/>
+          </p:cNvSpPr>
+          <p:nvPr>
+            <p:ph type="ftr" sz="quarter" idx="11"/>
+          </p:nvPr>
+        </p:nvSpPr>
+        <p:spPr/>
+        <p:txBody>
+          <a:bodyPr/>
+          <a:lstStyle/>
+          <a:p>
+            <a:r>
+              <a:rPr lang="en-US"/>
+              <a:t>Nodejs Basics</a:t>
+            </a:r>
+            <a:endParaRPr lang="en-US" dirty="0"/>
+          </a:p>
+        </p:txBody>
+      </p:sp>
+      <p:sp>
+        <p:nvSpPr>
+          <p:cNvPr id="5" name="Slide Number Placeholder 4">
+            <a:extLst>
+              <a:ext uri="{FF2B5EF4-FFF2-40B4-BE49-F238E27FC236}">
+                <a16:creationId xmlns:a16="http://schemas.microsoft.com/office/drawing/2014/main" id="{D6CED9B9-CCC5-48E1-A4A6-2AB06C8BA29E}"/>
+              </a:ext>
+            </a:extLst>
+          </p:cNvPr>
+          <p:cNvSpPr>
+            <a:spLocks noGrp="1"/>
+          </p:cNvSpPr>
+          <p:nvPr>
+            <p:ph type="sldNum" sz="quarter" idx="12"/>
+          </p:nvPr>
+        </p:nvSpPr>
+        <p:spPr/>
+        <p:txBody>
+          <a:bodyPr/>
+          <a:lstStyle/>
+          <a:p>
+            <a:fld id="{3A98EE3D-8CD1-4C3F-BD1C-C98C9596463C}" type="slidenum">
+              <a:rPr lang="en-US" smtClean="0"/>
+              <a:t>13</a:t>
+            </a:fld>
+            <a:endParaRPr lang="en-US" dirty="0"/>
+          </a:p>
+        </p:txBody>
+      </p:sp>
+    </p:spTree>
+    <p:extLst>
+      <p:ext uri="{BB962C8B-B14F-4D97-AF65-F5344CB8AC3E}">
+        <p14:creationId xmlns:p14="http://schemas.microsoft.com/office/powerpoint/2010/main" val="3177502791"/>
+      </p:ext>
+    </p:extLst>
+  </p:cSld>
+  <p:clrMapOvr>
+    <a:masterClrMapping/>
+  </p:clrMapOvr>
+</p:sld>
+</file>
+
+<file path=ppt/slides/slide14.xml><?xml version="1.0" encoding="utf-8"?>
+<p:sld xmlns:a="http://schemas.openxmlformats.org/drawingml/2006/main" xmlns:r="http://schemas.openxmlformats.org/officeDocument/2006/relationships" xmlns:p="http://schemas.openxmlformats.org/presentationml/2006/main">
+  <p:cSld>
+    <p:spTree>
+      <p:nvGrpSpPr>
+        <p:cNvPr id="1" name=""/>
+        <p:cNvGrpSpPr/>
+        <p:nvPr/>
+      </p:nvGrpSpPr>
+      <p:grpSpPr>
+        <a:xfrm>
+          <a:off x="0" y="0"/>
+          <a:ext cx="0" cy="0"/>
+          <a:chOff x="0" y="0"/>
+          <a:chExt cx="0" cy="0"/>
+        </a:xfrm>
+      </p:grpSpPr>
+      <p:sp>
+        <p:nvSpPr>
+          <p:cNvPr id="4" name="Footer Placeholder 3">
+            <a:extLst>
+              <a:ext uri="{FF2B5EF4-FFF2-40B4-BE49-F238E27FC236}">
+                <a16:creationId xmlns:a16="http://schemas.microsoft.com/office/drawing/2014/main" id="{327E0F65-0432-4490-B09B-82920B49E75C}"/>
+              </a:ext>
+            </a:extLst>
+          </p:cNvPr>
+          <p:cNvSpPr>
+            <a:spLocks noGrp="1"/>
+          </p:cNvSpPr>
+          <p:nvPr>
+            <p:ph type="ftr" sz="quarter" idx="11"/>
+          </p:nvPr>
+        </p:nvSpPr>
+        <p:spPr/>
+        <p:txBody>
+          <a:bodyPr/>
+          <a:lstStyle/>
+          <a:p>
+            <a:r>
+              <a:rPr lang="en-US"/>
+              <a:t>Nodejs Basics</a:t>
+            </a:r>
+            <a:endParaRPr lang="en-US" dirty="0"/>
+          </a:p>
+        </p:txBody>
+      </p:sp>
+      <p:sp>
+        <p:nvSpPr>
+          <p:cNvPr id="5" name="Slide Number Placeholder 4">
+            <a:extLst>
+              <a:ext uri="{FF2B5EF4-FFF2-40B4-BE49-F238E27FC236}">
+                <a16:creationId xmlns:a16="http://schemas.microsoft.com/office/drawing/2014/main" id="{E9639D0E-A751-4ED7-8994-EEB6A2481102}"/>
+              </a:ext>
+            </a:extLst>
+          </p:cNvPr>
+          <p:cNvSpPr>
+            <a:spLocks noGrp="1"/>
+          </p:cNvSpPr>
+          <p:nvPr>
+            <p:ph type="sldNum" sz="quarter" idx="12"/>
+          </p:nvPr>
+        </p:nvSpPr>
+        <p:spPr/>
+        <p:txBody>
+          <a:bodyPr/>
+          <a:lstStyle/>
+          <a:p>
+            <a:fld id="{3A98EE3D-8CD1-4C3F-BD1C-C98C9596463C}" type="slidenum">
+              <a:rPr lang="en-US" smtClean="0"/>
+              <a:t>14</a:t>
+            </a:fld>
+            <a:endParaRPr lang="en-US" dirty="0"/>
+          </a:p>
+        </p:txBody>
+      </p:sp>
+      <p:pic>
+        <p:nvPicPr>
+          <p:cNvPr id="9" name="Picture 8">
+            <a:extLst>
+              <a:ext uri="{FF2B5EF4-FFF2-40B4-BE49-F238E27FC236}">
+                <a16:creationId xmlns:a16="http://schemas.microsoft.com/office/drawing/2014/main" id="{F52402F9-D44A-4B03-A1EB-7F8EE908593A}"/>
+              </a:ext>
+            </a:extLst>
+          </p:cNvPr>
+          <p:cNvPicPr>
+            <a:picLocks noChangeAspect="1"/>
+          </p:cNvPicPr>
+          <p:nvPr/>
+        </p:nvPicPr>
+        <p:blipFill>
+          <a:blip r:embed="rId2"/>
+          <a:stretch>
+            <a:fillRect/>
+          </a:stretch>
+        </p:blipFill>
+        <p:spPr>
+          <a:xfrm>
+            <a:off x="0" y="121948"/>
+            <a:ext cx="12192000" cy="6614104"/>
+          </a:xfrm>
+          <a:prstGeom prst="rect">
+            <a:avLst/>
+          </a:prstGeom>
+        </p:spPr>
+      </p:pic>
+    </p:spTree>
+    <p:extLst>
+      <p:ext uri="{BB962C8B-B14F-4D97-AF65-F5344CB8AC3E}">
+        <p14:creationId xmlns:p14="http://schemas.microsoft.com/office/powerpoint/2010/main" val="486556315"/>
+      </p:ext>
+    </p:extLst>
+  </p:cSld>
+  <p:clrMapOvr>
+    <a:masterClrMapping/>
+  </p:clrMapOvr>
+</p:sld>
+</file>
+
+<file path=ppt/slides/slide15.xml><?xml version="1.0" encoding="utf-8"?>
+<p:sld xmlns:a="http://schemas.openxmlformats.org/drawingml/2006/main" xmlns:r="http://schemas.openxmlformats.org/officeDocument/2006/relationships" xmlns:p="http://schemas.openxmlformats.org/presentationml/2006/main">
+  <p:cSld>
+    <p:spTree>
+      <p:nvGrpSpPr>
+        <p:cNvPr id="1" name=""/>
+        <p:cNvGrpSpPr/>
+        <p:nvPr/>
+      </p:nvGrpSpPr>
+      <p:grpSpPr>
+        <a:xfrm>
+          <a:off x="0" y="0"/>
+          <a:ext cx="0" cy="0"/>
+          <a:chOff x="0" y="0"/>
+          <a:chExt cx="0" cy="0"/>
+        </a:xfrm>
+      </p:grpSpPr>
+      <p:sp>
+        <p:nvSpPr>
+          <p:cNvPr id="2" name="Title 1">
+            <a:extLst>
+              <a:ext uri="{FF2B5EF4-FFF2-40B4-BE49-F238E27FC236}">
+                <a16:creationId xmlns:a16="http://schemas.microsoft.com/office/drawing/2014/main" id="{2D7867FA-4671-40B7-9C84-CC74F1E01DA8}"/>
+              </a:ext>
+            </a:extLst>
+          </p:cNvPr>
+          <p:cNvSpPr>
+            <a:spLocks noGrp="1"/>
+          </p:cNvSpPr>
+          <p:nvPr>
+            <p:ph type="title"/>
+          </p:nvPr>
+        </p:nvSpPr>
+        <p:spPr/>
+        <p:txBody>
+          <a:bodyPr/>
+          <a:lstStyle/>
+          <a:p>
+            <a:r>
+              <a:rPr lang="en-US" dirty="0"/>
+              <a:t>What about a lot of dependency?</a:t>
+            </a:r>
+          </a:p>
+        </p:txBody>
+      </p:sp>
+      <p:sp>
+        <p:nvSpPr>
+          <p:cNvPr id="3" name="Content Placeholder 2">
+            <a:extLst>
+              <a:ext uri="{FF2B5EF4-FFF2-40B4-BE49-F238E27FC236}">
+                <a16:creationId xmlns:a16="http://schemas.microsoft.com/office/drawing/2014/main" id="{59903A57-9A0C-4976-BA29-6BB4911881C3}"/>
+              </a:ext>
+            </a:extLst>
+          </p:cNvPr>
+          <p:cNvSpPr>
+            <a:spLocks noGrp="1"/>
+          </p:cNvSpPr>
+          <p:nvPr>
+            <p:ph idx="1"/>
+          </p:nvPr>
+        </p:nvSpPr>
+        <p:spPr/>
+        <p:txBody>
+          <a:bodyPr>
+            <a:normAutofit fontScale="92500" lnSpcReduction="10000"/>
+          </a:bodyPr>
+          <a:lstStyle/>
+          <a:p>
+            <a:r>
+              <a:rPr lang="en-US" dirty="0"/>
+              <a:t>That's good, however, this injection is not convenient.</a:t>
+            </a:r>
+          </a:p>
+          <a:p>
+            <a:pPr lvl="1"/>
+            <a:r>
+              <a:rPr lang="en-US" dirty="0"/>
+              <a:t>We have to manually inject every dependency,</a:t>
+            </a:r>
+          </a:p>
+          <a:p>
+            <a:pPr lvl="1"/>
+            <a:r>
+              <a:rPr lang="en-US" dirty="0"/>
+              <a:t>We have to keep the dependencies order when injecting.</a:t>
+            </a:r>
+          </a:p>
+          <a:p>
+            <a:r>
+              <a:rPr lang="en-US" dirty="0"/>
+              <a:t>In reality, we would want to automate it. There is a way to do that, and it's called a </a:t>
+            </a:r>
+            <a:r>
+              <a:rPr lang="en-US" i="1" dirty="0"/>
+              <a:t>DI-container</a:t>
+            </a:r>
+            <a:r>
+              <a:rPr lang="en-US" dirty="0"/>
+              <a:t>.</a:t>
+            </a:r>
+          </a:p>
+          <a:p>
+            <a:r>
+              <a:rPr lang="en-US" dirty="0"/>
+              <a:t>a DI-container is a module that does only one thing—it provides dependencies to every other module in a system. </a:t>
+            </a:r>
+          </a:p>
+          <a:p>
+            <a:r>
+              <a:rPr lang="en-US" dirty="0"/>
+              <a:t>Container knows exactly which dependencies a module needs, and injects them when needed. </a:t>
+            </a:r>
+          </a:p>
+          <a:p>
+            <a:r>
+              <a:rPr lang="en-US" dirty="0"/>
+              <a:t>Thus we free other modules of figuring out this stuff, and the </a:t>
+            </a:r>
+            <a:r>
+              <a:rPr lang="en-US" dirty="0">
+                <a:solidFill>
+                  <a:srgbClr val="00B050"/>
+                </a:solidFill>
+              </a:rPr>
+              <a:t>control goes to a special place.</a:t>
+            </a:r>
+          </a:p>
+        </p:txBody>
+      </p:sp>
+      <p:sp>
+        <p:nvSpPr>
+          <p:cNvPr id="4" name="Footer Placeholder 3">
+            <a:extLst>
+              <a:ext uri="{FF2B5EF4-FFF2-40B4-BE49-F238E27FC236}">
+                <a16:creationId xmlns:a16="http://schemas.microsoft.com/office/drawing/2014/main" id="{02CD6E65-777B-46AF-95EE-4298AA21AB78}"/>
+              </a:ext>
+            </a:extLst>
+          </p:cNvPr>
+          <p:cNvSpPr>
+            <a:spLocks noGrp="1"/>
+          </p:cNvSpPr>
+          <p:nvPr>
+            <p:ph type="ftr" sz="quarter" idx="11"/>
+          </p:nvPr>
+        </p:nvSpPr>
+        <p:spPr/>
+        <p:txBody>
+          <a:bodyPr/>
+          <a:lstStyle/>
+          <a:p>
+            <a:r>
+              <a:rPr lang="en-US"/>
+              <a:t>Nodejs Basics</a:t>
+            </a:r>
+            <a:endParaRPr lang="en-US" dirty="0"/>
+          </a:p>
+        </p:txBody>
+      </p:sp>
+      <p:sp>
+        <p:nvSpPr>
+          <p:cNvPr id="5" name="Slide Number Placeholder 4">
+            <a:extLst>
+              <a:ext uri="{FF2B5EF4-FFF2-40B4-BE49-F238E27FC236}">
+                <a16:creationId xmlns:a16="http://schemas.microsoft.com/office/drawing/2014/main" id="{F5F2BA1A-9B8C-407D-A592-D7A65ADB09DF}"/>
+              </a:ext>
+            </a:extLst>
+          </p:cNvPr>
+          <p:cNvSpPr>
+            <a:spLocks noGrp="1"/>
+          </p:cNvSpPr>
+          <p:nvPr>
+            <p:ph type="sldNum" sz="quarter" idx="12"/>
+          </p:nvPr>
+        </p:nvSpPr>
+        <p:spPr/>
+        <p:txBody>
+          <a:bodyPr/>
+          <a:lstStyle/>
+          <a:p>
+            <a:fld id="{3A98EE3D-8CD1-4C3F-BD1C-C98C9596463C}" type="slidenum">
+              <a:rPr lang="en-US" smtClean="0"/>
+              <a:t>15</a:t>
+            </a:fld>
+            <a:endParaRPr lang="en-US" dirty="0"/>
+          </a:p>
+        </p:txBody>
+      </p:sp>
+    </p:spTree>
+    <p:extLst>
+      <p:ext uri="{BB962C8B-B14F-4D97-AF65-F5344CB8AC3E}">
+        <p14:creationId xmlns:p14="http://schemas.microsoft.com/office/powerpoint/2010/main" val="2357822634"/>
+      </p:ext>
+    </p:extLst>
+  </p:cSld>
+  <p:clrMapOvr>
+    <a:masterClrMapping/>
+  </p:clrMapOvr>
+</p:sld>
+</file>
+
+<file path=ppt/slides/slide16.xml><?xml version="1.0" encoding="utf-8"?>
+<p:sld xmlns:a="http://schemas.openxmlformats.org/drawingml/2006/main" xmlns:r="http://schemas.openxmlformats.org/officeDocument/2006/relationships" xmlns:p="http://schemas.openxmlformats.org/presentationml/2006/main">
+  <p:cSld>
+    <p:spTree>
+      <p:nvGrpSpPr>
+        <p:cNvPr id="1" name=""/>
+        <p:cNvGrpSpPr/>
+        <p:nvPr/>
+      </p:nvGrpSpPr>
+      <p:grpSpPr>
+        <a:xfrm>
+          <a:off x="0" y="0"/>
+          <a:ext cx="0" cy="0"/>
+          <a:chOff x="0" y="0"/>
+          <a:chExt cx="0" cy="0"/>
+        </a:xfrm>
+      </p:grpSpPr>
+      <p:sp>
+        <p:nvSpPr>
+          <p:cNvPr id="2" name="Title 1">
+            <a:extLst>
+              <a:ext uri="{FF2B5EF4-FFF2-40B4-BE49-F238E27FC236}">
+                <a16:creationId xmlns:a16="http://schemas.microsoft.com/office/drawing/2014/main" id="{6D098E47-5229-41E4-A591-BD9A62665BBE}"/>
+              </a:ext>
+            </a:extLst>
+          </p:cNvPr>
+          <p:cNvSpPr>
+            <a:spLocks noGrp="1"/>
+          </p:cNvSpPr>
+          <p:nvPr>
+            <p:ph type="title"/>
+          </p:nvPr>
+        </p:nvSpPr>
+        <p:spPr/>
+        <p:txBody>
+          <a:bodyPr/>
+          <a:lstStyle/>
+          <a:p>
+            <a:r>
+              <a:rPr lang="en-US" dirty="0"/>
+              <a:t>DI-container</a:t>
+            </a:r>
+          </a:p>
+        </p:txBody>
+      </p:sp>
+      <p:sp>
+        <p:nvSpPr>
+          <p:cNvPr id="3" name="Content Placeholder 2">
+            <a:extLst>
+              <a:ext uri="{FF2B5EF4-FFF2-40B4-BE49-F238E27FC236}">
+                <a16:creationId xmlns:a16="http://schemas.microsoft.com/office/drawing/2014/main" id="{AF9F54FD-89C3-4253-B622-25A7BB947441}"/>
+              </a:ext>
+            </a:extLst>
+          </p:cNvPr>
+          <p:cNvSpPr>
+            <a:spLocks noGrp="1"/>
+          </p:cNvSpPr>
+          <p:nvPr>
+            <p:ph idx="1"/>
+          </p:nvPr>
+        </p:nvSpPr>
+        <p:spPr/>
+        <p:txBody>
+          <a:bodyPr/>
+          <a:lstStyle/>
+          <a:p>
+            <a:r>
+              <a:rPr lang="en-US" dirty="0">
+                <a:latin typeface="Consolas" panose="020B0609020204030204" pitchFamily="49" charset="0"/>
+              </a:rPr>
+              <a:t>// P S E U D O C O D E:</a:t>
+            </a:r>
+          </a:p>
+          <a:p>
+            <a:endParaRPr lang="en-US" dirty="0">
+              <a:latin typeface="Consolas" panose="020B0609020204030204" pitchFamily="49" charset="0"/>
+            </a:endParaRPr>
+          </a:p>
+          <a:p>
+            <a:r>
+              <a:rPr lang="en-US" dirty="0">
+                <a:latin typeface="Consolas" panose="020B0609020204030204" pitchFamily="49" charset="0"/>
+              </a:rPr>
+              <a:t>// Hey, container!</a:t>
+            </a:r>
+          </a:p>
+          <a:p>
+            <a:r>
+              <a:rPr lang="en-US" dirty="0">
+                <a:latin typeface="Consolas" panose="020B0609020204030204" pitchFamily="49" charset="0"/>
+              </a:rPr>
+              <a:t>// When you're asked of an object that implements</a:t>
+            </a:r>
+          </a:p>
+          <a:p>
+            <a:r>
+              <a:rPr lang="en-US" dirty="0">
+                <a:latin typeface="Consolas" panose="020B0609020204030204" pitchFamily="49" charset="0"/>
+              </a:rPr>
+              <a:t>// `</a:t>
+            </a:r>
+            <a:r>
+              <a:rPr lang="en-US" dirty="0" err="1">
+                <a:latin typeface="Consolas" panose="020B0609020204030204" pitchFamily="49" charset="0"/>
+              </a:rPr>
+              <a:t>SomeInterface</a:t>
+            </a:r>
+            <a:r>
+              <a:rPr lang="en-US" dirty="0">
+                <a:latin typeface="Consolas" panose="020B0609020204030204" pitchFamily="49" charset="0"/>
+              </a:rPr>
+              <a:t>` you should give access to</a:t>
+            </a:r>
+          </a:p>
+          <a:p>
+            <a:r>
+              <a:rPr lang="en-US" dirty="0">
+                <a:latin typeface="Consolas" panose="020B0609020204030204" pitchFamily="49" charset="0"/>
+              </a:rPr>
+              <a:t>// an instance of `</a:t>
+            </a:r>
+            <a:r>
+              <a:rPr lang="en-US" dirty="0" err="1">
+                <a:latin typeface="Consolas" panose="020B0609020204030204" pitchFamily="49" charset="0"/>
+              </a:rPr>
+              <a:t>SomeClass</a:t>
+            </a:r>
+            <a:r>
+              <a:rPr lang="en-US" dirty="0">
+                <a:latin typeface="Consolas" panose="020B0609020204030204" pitchFamily="49" charset="0"/>
+              </a:rPr>
+              <a:t>`.</a:t>
+            </a:r>
+          </a:p>
+          <a:p>
+            <a:r>
+              <a:rPr lang="en-US" dirty="0" err="1">
+                <a:latin typeface="Consolas" panose="020B0609020204030204" pitchFamily="49" charset="0"/>
+              </a:rPr>
+              <a:t>container.register</a:t>
+            </a:r>
+            <a:r>
+              <a:rPr lang="en-US" dirty="0">
+                <a:latin typeface="Consolas" panose="020B0609020204030204" pitchFamily="49" charset="0"/>
+              </a:rPr>
+              <a:t>(</a:t>
+            </a:r>
+            <a:r>
+              <a:rPr lang="en-US" dirty="0" err="1">
+                <a:latin typeface="Consolas" panose="020B0609020204030204" pitchFamily="49" charset="0"/>
+              </a:rPr>
+              <a:t>SomeInterface</a:t>
+            </a:r>
+            <a:r>
+              <a:rPr lang="en-US" dirty="0">
+                <a:latin typeface="Consolas" panose="020B0609020204030204" pitchFamily="49" charset="0"/>
+              </a:rPr>
+              <a:t>, </a:t>
+            </a:r>
+            <a:r>
+              <a:rPr lang="en-US" dirty="0" err="1">
+                <a:latin typeface="Consolas" panose="020B0609020204030204" pitchFamily="49" charset="0"/>
+              </a:rPr>
+              <a:t>SomeClass</a:t>
+            </a:r>
+            <a:r>
+              <a:rPr lang="en-US" dirty="0">
+                <a:latin typeface="Consolas" panose="020B0609020204030204" pitchFamily="49" charset="0"/>
+              </a:rPr>
+              <a:t>);</a:t>
+            </a:r>
+          </a:p>
+        </p:txBody>
+      </p:sp>
+      <p:sp>
+        <p:nvSpPr>
+          <p:cNvPr id="4" name="Footer Placeholder 3">
+            <a:extLst>
+              <a:ext uri="{FF2B5EF4-FFF2-40B4-BE49-F238E27FC236}">
+                <a16:creationId xmlns:a16="http://schemas.microsoft.com/office/drawing/2014/main" id="{B1DD9CE2-2FC9-4B5C-AAF9-CD8D83A59A85}"/>
+              </a:ext>
+            </a:extLst>
+          </p:cNvPr>
+          <p:cNvSpPr>
+            <a:spLocks noGrp="1"/>
+          </p:cNvSpPr>
+          <p:nvPr>
+            <p:ph type="ftr" sz="quarter" idx="11"/>
+          </p:nvPr>
+        </p:nvSpPr>
+        <p:spPr/>
+        <p:txBody>
+          <a:bodyPr/>
+          <a:lstStyle/>
+          <a:p>
+            <a:r>
+              <a:rPr lang="en-US"/>
+              <a:t>Nodejs Basics</a:t>
+            </a:r>
+            <a:endParaRPr lang="en-US" dirty="0"/>
+          </a:p>
+        </p:txBody>
+      </p:sp>
+      <p:sp>
+        <p:nvSpPr>
+          <p:cNvPr id="5" name="Slide Number Placeholder 4">
+            <a:extLst>
+              <a:ext uri="{FF2B5EF4-FFF2-40B4-BE49-F238E27FC236}">
+                <a16:creationId xmlns:a16="http://schemas.microsoft.com/office/drawing/2014/main" id="{560892E0-EB3E-493D-A817-DBC67F86E9A4}"/>
+              </a:ext>
+            </a:extLst>
+          </p:cNvPr>
+          <p:cNvSpPr>
+            <a:spLocks noGrp="1"/>
+          </p:cNvSpPr>
+          <p:nvPr>
+            <p:ph type="sldNum" sz="quarter" idx="12"/>
+          </p:nvPr>
+        </p:nvSpPr>
+        <p:spPr/>
+        <p:txBody>
+          <a:bodyPr/>
+          <a:lstStyle/>
+          <a:p>
+            <a:fld id="{3A98EE3D-8CD1-4C3F-BD1C-C98C9596463C}" type="slidenum">
+              <a:rPr lang="en-US" smtClean="0"/>
+              <a:t>16</a:t>
+            </a:fld>
+            <a:endParaRPr lang="en-US" dirty="0"/>
+          </a:p>
+        </p:txBody>
+      </p:sp>
+    </p:spTree>
+    <p:extLst>
+      <p:ext uri="{BB962C8B-B14F-4D97-AF65-F5344CB8AC3E}">
+        <p14:creationId xmlns:p14="http://schemas.microsoft.com/office/powerpoint/2010/main" val="3773196635"/>
+      </p:ext>
+    </p:extLst>
+  </p:cSld>
+  <p:clrMapOvr>
+    <a:masterClrMapping/>
+  </p:clrMapOvr>
+</p:sld>
+</file>
+
+<file path=ppt/slides/slide17.xml><?xml version="1.0" encoding="utf-8"?>
+<p:sld xmlns:a="http://schemas.openxmlformats.org/drawingml/2006/main" xmlns:r="http://schemas.openxmlformats.org/officeDocument/2006/relationships" xmlns:p="http://schemas.openxmlformats.org/presentationml/2006/main">
+  <p:cSld>
+    <p:spTree>
+      <p:nvGrpSpPr>
+        <p:cNvPr id="1" name=""/>
+        <p:cNvGrpSpPr/>
+        <p:nvPr/>
+      </p:nvGrpSpPr>
+      <p:grpSpPr>
+        <a:xfrm>
+          <a:off x="0" y="0"/>
+          <a:ext cx="0" cy="0"/>
+          <a:chOff x="0" y="0"/>
+          <a:chExt cx="0" cy="0"/>
+        </a:xfrm>
+      </p:grpSpPr>
+      <p:sp>
+        <p:nvSpPr>
+          <p:cNvPr id="2" name="Title 1">
+            <a:extLst>
+              <a:ext uri="{FF2B5EF4-FFF2-40B4-BE49-F238E27FC236}">
+                <a16:creationId xmlns:a16="http://schemas.microsoft.com/office/drawing/2014/main" id="{B449A62D-A52A-4907-A1B5-4E5E9949033A}"/>
+              </a:ext>
+            </a:extLst>
+          </p:cNvPr>
+          <p:cNvSpPr>
+            <a:spLocks noGrp="1"/>
+          </p:cNvSpPr>
+          <p:nvPr>
+            <p:ph type="title"/>
+          </p:nvPr>
+        </p:nvSpPr>
+        <p:spPr/>
+        <p:txBody>
+          <a:bodyPr/>
+          <a:lstStyle/>
+          <a:p>
+            <a:r>
+              <a:rPr lang="en-US" dirty="0"/>
+              <a:t>Exercise</a:t>
+            </a:r>
+          </a:p>
+        </p:txBody>
+      </p:sp>
+      <p:sp>
+        <p:nvSpPr>
+          <p:cNvPr id="3" name="Content Placeholder 2">
+            <a:extLst>
+              <a:ext uri="{FF2B5EF4-FFF2-40B4-BE49-F238E27FC236}">
+                <a16:creationId xmlns:a16="http://schemas.microsoft.com/office/drawing/2014/main" id="{9D76BB0C-A9FE-4412-890A-B31D95BC24B9}"/>
+              </a:ext>
+            </a:extLst>
+          </p:cNvPr>
+          <p:cNvSpPr>
+            <a:spLocks noGrp="1"/>
+          </p:cNvSpPr>
+          <p:nvPr>
+            <p:ph idx="1"/>
+          </p:nvPr>
+        </p:nvSpPr>
+        <p:spPr/>
+        <p:txBody>
+          <a:bodyPr/>
+          <a:lstStyle/>
+          <a:p>
+            <a:r>
+              <a:rPr lang="en-US" dirty="0"/>
+              <a:t>Required: </a:t>
+            </a:r>
+          </a:p>
+          <a:p>
+            <a:pPr lvl="1"/>
+            <a:r>
+              <a:rPr lang="en-US" dirty="0"/>
+              <a:t>Implement dependency injection by</a:t>
+            </a:r>
+          </a:p>
+          <a:p>
+            <a:pPr lvl="2"/>
+            <a:r>
+              <a:rPr lang="en-US" dirty="0"/>
+              <a:t>Constructor</a:t>
+            </a:r>
+          </a:p>
+          <a:p>
+            <a:pPr lvl="2"/>
+            <a:r>
+              <a:rPr lang="en-US" dirty="0"/>
+              <a:t>Setter</a:t>
+            </a:r>
+          </a:p>
+          <a:p>
+            <a:r>
+              <a:rPr lang="en-US" dirty="0"/>
+              <a:t>Optional:</a:t>
+            </a:r>
+          </a:p>
+          <a:p>
+            <a:pPr lvl="1"/>
+            <a:r>
+              <a:rPr lang="en-US" dirty="0"/>
+              <a:t>Use some package to automate the process of injection in </a:t>
+            </a:r>
+            <a:r>
+              <a:rPr lang="en-US"/>
+              <a:t>a container</a:t>
+            </a:r>
+            <a:endParaRPr lang="en-US" dirty="0"/>
+          </a:p>
+          <a:p>
+            <a:endParaRPr lang="en-US" dirty="0"/>
+          </a:p>
+        </p:txBody>
+      </p:sp>
+      <p:sp>
+        <p:nvSpPr>
+          <p:cNvPr id="4" name="Footer Placeholder 3">
+            <a:extLst>
+              <a:ext uri="{FF2B5EF4-FFF2-40B4-BE49-F238E27FC236}">
+                <a16:creationId xmlns:a16="http://schemas.microsoft.com/office/drawing/2014/main" id="{3223105A-9946-44CC-8F40-B223E4719A96}"/>
+              </a:ext>
+            </a:extLst>
+          </p:cNvPr>
+          <p:cNvSpPr>
+            <a:spLocks noGrp="1"/>
+          </p:cNvSpPr>
+          <p:nvPr>
+            <p:ph type="ftr" sz="quarter" idx="11"/>
+          </p:nvPr>
+        </p:nvSpPr>
+        <p:spPr/>
+        <p:txBody>
+          <a:bodyPr/>
+          <a:lstStyle/>
+          <a:p>
+            <a:r>
+              <a:rPr lang="en-US"/>
+              <a:t>Nodejs Basics</a:t>
+            </a:r>
+            <a:endParaRPr lang="en-US" dirty="0"/>
+          </a:p>
+        </p:txBody>
+      </p:sp>
+      <p:sp>
+        <p:nvSpPr>
+          <p:cNvPr id="5" name="Slide Number Placeholder 4">
+            <a:extLst>
+              <a:ext uri="{FF2B5EF4-FFF2-40B4-BE49-F238E27FC236}">
+                <a16:creationId xmlns:a16="http://schemas.microsoft.com/office/drawing/2014/main" id="{45A1B401-3DB3-439F-B9A7-E719B2710E67}"/>
+              </a:ext>
+            </a:extLst>
+          </p:cNvPr>
+          <p:cNvSpPr>
+            <a:spLocks noGrp="1"/>
+          </p:cNvSpPr>
+          <p:nvPr>
+            <p:ph type="sldNum" sz="quarter" idx="12"/>
+          </p:nvPr>
+        </p:nvSpPr>
+        <p:spPr/>
+        <p:txBody>
+          <a:bodyPr/>
+          <a:lstStyle/>
+          <a:p>
+            <a:fld id="{3A98EE3D-8CD1-4C3F-BD1C-C98C9596463C}" type="slidenum">
+              <a:rPr lang="en-US" smtClean="0"/>
+              <a:t>17</a:t>
+            </a:fld>
+            <a:endParaRPr lang="en-US" dirty="0"/>
+          </a:p>
+        </p:txBody>
+      </p:sp>
+    </p:spTree>
+    <p:extLst>
+      <p:ext uri="{BB962C8B-B14F-4D97-AF65-F5344CB8AC3E}">
+        <p14:creationId xmlns:p14="http://schemas.microsoft.com/office/powerpoint/2010/main" val="1513351096"/>
       </p:ext>
     </p:extLst>
   </p:cSld>
@@ -7466,6 +9207,12 @@
             <a:r>
               <a:rPr lang="en-US" dirty="0"/>
               <a:t>No, they are architectural pattern, mostly relates to the UI/interaction layer of an application.</a:t>
+            </a:r>
+          </a:p>
+          <a:p>
+            <a:r>
+              <a:rPr lang="en-US" dirty="0"/>
+              <a:t>They are architectural patterns.</a:t>
             </a:r>
           </a:p>
         </p:txBody>
@@ -8239,7 +9986,7 @@
           <p:cNvPr id="2" name="Title 1">
             <a:extLst>
               <a:ext uri="{FF2B5EF4-FFF2-40B4-BE49-F238E27FC236}">
-                <a16:creationId xmlns:a16="http://schemas.microsoft.com/office/drawing/2014/main" id="{311953DA-2A6B-4C00-94F0-0D2BA6FD0A57}"/>
+                <a16:creationId xmlns:a16="http://schemas.microsoft.com/office/drawing/2014/main" id="{3390CEE7-8648-42B0-AABC-8EA38A37264C}"/>
               </a:ext>
             </a:extLst>
           </p:cNvPr>
@@ -8257,7 +10004,7 @@
           <a:p>
             <a:r>
               <a:rPr lang="en-US" dirty="0"/>
-              <a:t>Demo</a:t>
+              <a:t>IoC</a:t>
             </a:r>
           </a:p>
         </p:txBody>
@@ -8267,7 +10014,7 @@
           <p:cNvPr id="3" name="Content Placeholder 2">
             <a:extLst>
               <a:ext uri="{FF2B5EF4-FFF2-40B4-BE49-F238E27FC236}">
-                <a16:creationId xmlns:a16="http://schemas.microsoft.com/office/drawing/2014/main" id="{1911FF8B-8192-4ED3-BF80-0450E8238909}"/>
+                <a16:creationId xmlns:a16="http://schemas.microsoft.com/office/drawing/2014/main" id="{F8E1B822-EC08-47A2-8601-1B3224D07BBE}"/>
               </a:ext>
             </a:extLst>
           </p:cNvPr>
@@ -8285,27 +10032,41 @@
           <a:p>
             <a:r>
               <a:rPr lang="en-US" dirty="0"/>
-              <a:t>MVC in express</a:t>
-            </a:r>
-          </a:p>
-          <a:p>
-            <a:pPr lvl="1"/>
+              <a:t>Inversion of Control is a </a:t>
+            </a:r>
+            <a:r>
+              <a:rPr lang="en-US" dirty="0">
+                <a:solidFill>
+                  <a:srgbClr val="FF0000"/>
+                </a:solidFill>
+              </a:rPr>
+              <a:t>design principle</a:t>
+            </a:r>
+          </a:p>
+          <a:p>
             <a:r>
               <a:rPr lang="en-US" dirty="0"/>
-              <a:t>Remember when we use controller folder in ORM sessions</a:t>
+              <a:t>imagine you are the CEO of a company and going to visit an important business partner. </a:t>
             </a:r>
           </a:p>
           <a:p>
             <a:r>
               <a:rPr lang="en-US" dirty="0"/>
-              <a:t>MVVM</a:t>
-            </a:r>
-          </a:p>
-          <a:p>
-            <a:pPr lvl="1"/>
+              <a:t>You can definitely drive a car yourself. In this case, you control the car. </a:t>
+            </a:r>
+          </a:p>
+          <a:p>
             <a:r>
               <a:rPr lang="en-US" dirty="0"/>
-              <a:t>We as backend developers have nothing to do with this issue, but be aware that Frontend needs this.</a:t>
+              <a:t>On the other hand, you can also hire a driver to drive the car for you instead. </a:t>
+            </a:r>
+            <a:r>
+              <a:rPr lang="en-US" dirty="0">
+                <a:solidFill>
+                  <a:srgbClr val="00B050"/>
+                </a:solidFill>
+              </a:rPr>
+              <a:t>The control of the car is inverted from you to the driver now.</a:t>
             </a:r>
           </a:p>
         </p:txBody>
@@ -8315,7 +10076,7 @@
           <p:cNvPr id="4" name="Footer Placeholder 3">
             <a:extLst>
               <a:ext uri="{FF2B5EF4-FFF2-40B4-BE49-F238E27FC236}">
-                <a16:creationId xmlns:a16="http://schemas.microsoft.com/office/drawing/2014/main" id="{E1F7ABE0-E131-4DA9-97A3-E5559D30141D}"/>
+                <a16:creationId xmlns:a16="http://schemas.microsoft.com/office/drawing/2014/main" id="{06D0AD87-23AB-40FB-8292-FD02FDE4AB95}"/>
               </a:ext>
             </a:extLst>
           </p:cNvPr>
@@ -8344,7 +10105,7 @@
           <p:cNvPr id="5" name="Slide Number Placeholder 4">
             <a:extLst>
               <a:ext uri="{FF2B5EF4-FFF2-40B4-BE49-F238E27FC236}">
-                <a16:creationId xmlns:a16="http://schemas.microsoft.com/office/drawing/2014/main" id="{C11BF333-A2A2-4BA5-99A6-923EE0855B61}"/>
+                <a16:creationId xmlns:a16="http://schemas.microsoft.com/office/drawing/2014/main" id="{A3F38A9F-7C6F-4D6D-ABBC-633EB704BCB8}"/>
               </a:ext>
             </a:extLst>
           </p:cNvPr>
@@ -8371,7 +10132,7 @@
     </p:spTree>
     <p:extLst>
       <p:ext uri="{BB962C8B-B14F-4D97-AF65-F5344CB8AC3E}">
-        <p14:creationId xmlns:p14="http://schemas.microsoft.com/office/powerpoint/2010/main" val="743520014"/>
+        <p14:creationId xmlns:p14="http://schemas.microsoft.com/office/powerpoint/2010/main" val="2269683125"/>
       </p:ext>
     </p:extLst>
   </p:cSld>
